--- a/document/Web-Publishing개발환경구축.pptx
+++ b/document/Web-Publishing개발환경구축.pptx
@@ -201,7 +201,7 @@
           <a:p>
             <a:fld id="{8B5B9F42-6CD4-4589-9C3A-CE443308B833}" type="datetimeFigureOut">
               <a:rPr lang="ko-KR" altLang="en-US" smtClean="0"/>
-              <a:t>2019-09-09</a:t>
+              <a:t>2020-03-03</a:t>
             </a:fld>
             <a:endParaRPr lang="ko-KR" altLang="en-US"/>
           </a:p>
@@ -367,7 +367,7 @@
           <a:p>
             <a:fld id="{70A7A5CB-1306-4E60-AC9D-7A2ED184EF9B}" type="datetimeFigureOut">
               <a:rPr lang="ko-KR" altLang="en-US" smtClean="0"/>
-              <a:t>2019-09-09</a:t>
+              <a:t>2020-03-03</a:t>
             </a:fld>
             <a:endParaRPr lang="ko-KR" altLang="en-US"/>
           </a:p>
@@ -1350,7 +1350,7 @@
           <a:p>
             <a:fld id="{2E7ECC9E-F49A-469F-B406-81AB28A32BC3}" type="datetimeFigureOut">
               <a:rPr lang="ko-KR" altLang="en-US" smtClean="0"/>
-              <a:t>2019-09-09</a:t>
+              <a:t>2020-03-03</a:t>
             </a:fld>
             <a:endParaRPr lang="ko-KR" altLang="en-US"/>
           </a:p>
@@ -1536,7 +1536,7 @@
           <a:p>
             <a:fld id="{2E7ECC9E-F49A-469F-B406-81AB28A32BC3}" type="datetimeFigureOut">
               <a:rPr lang="ko-KR" altLang="en-US" smtClean="0"/>
-              <a:t>2019-09-09</a:t>
+              <a:t>2020-03-03</a:t>
             </a:fld>
             <a:endParaRPr lang="ko-KR" altLang="en-US"/>
           </a:p>
@@ -1718,7 +1718,7 @@
           <a:p>
             <a:fld id="{2E7ECC9E-F49A-469F-B406-81AB28A32BC3}" type="datetimeFigureOut">
               <a:rPr lang="ko-KR" altLang="en-US" smtClean="0"/>
-              <a:t>2019-09-09</a:t>
+              <a:t>2020-03-03</a:t>
             </a:fld>
             <a:endParaRPr lang="ko-KR" altLang="en-US"/>
           </a:p>
@@ -1911,7 +1911,7 @@
           <a:p>
             <a:fld id="{2E7ECC9E-F49A-469F-B406-81AB28A32BC3}" type="datetimeFigureOut">
               <a:rPr lang="ko-KR" altLang="en-US" smtClean="0"/>
-              <a:t>2019-09-09</a:t>
+              <a:t>2020-03-03</a:t>
             </a:fld>
             <a:endParaRPr lang="ko-KR" altLang="en-US"/>
           </a:p>
@@ -2037,7 +2037,7 @@
           <a:p>
             <a:fld id="{2E7ECC9E-F49A-469F-B406-81AB28A32BC3}" type="datetimeFigureOut">
               <a:rPr lang="ko-KR" altLang="en-US" smtClean="0"/>
-              <a:t>2019-09-09</a:t>
+              <a:t>2020-03-03</a:t>
             </a:fld>
             <a:endParaRPr lang="ko-KR" altLang="en-US"/>
           </a:p>
@@ -2426,7 +2426,7 @@
           <a:p>
             <a:fld id="{2E7ECC9E-F49A-469F-B406-81AB28A32BC3}" type="datetimeFigureOut">
               <a:rPr lang="ko-KR" altLang="en-US" smtClean="0"/>
-              <a:t>2019-09-09</a:t>
+              <a:t>2020-03-03</a:t>
             </a:fld>
             <a:endParaRPr lang="ko-KR" altLang="en-US"/>
           </a:p>
@@ -2871,7 +2871,7 @@
           <a:p>
             <a:fld id="{2E7ECC9E-F49A-469F-B406-81AB28A32BC3}" type="datetimeFigureOut">
               <a:rPr lang="ko-KR" altLang="en-US" smtClean="0"/>
-              <a:t>2019-09-09</a:t>
+              <a:t>2020-03-03</a:t>
             </a:fld>
             <a:endParaRPr lang="ko-KR" altLang="en-US"/>
           </a:p>
@@ -2996,7 +2996,7 @@
           <a:p>
             <a:fld id="{2E7ECC9E-F49A-469F-B406-81AB28A32BC3}" type="datetimeFigureOut">
               <a:rPr lang="ko-KR" altLang="en-US" smtClean="0"/>
-              <a:t>2019-09-09</a:t>
+              <a:t>2020-03-03</a:t>
             </a:fld>
             <a:endParaRPr lang="ko-KR" altLang="en-US"/>
           </a:p>
@@ -3093,7 +3093,7 @@
           <a:p>
             <a:fld id="{2E7ECC9E-F49A-469F-B406-81AB28A32BC3}" type="datetimeFigureOut">
               <a:rPr lang="ko-KR" altLang="en-US" smtClean="0"/>
-              <a:t>2019-09-09</a:t>
+              <a:t>2020-03-03</a:t>
             </a:fld>
             <a:endParaRPr lang="ko-KR" altLang="en-US"/>
           </a:p>
@@ -3384,7 +3384,7 @@
           <a:p>
             <a:fld id="{2E7ECC9E-F49A-469F-B406-81AB28A32BC3}" type="datetimeFigureOut">
               <a:rPr lang="ko-KR" altLang="en-US" smtClean="0"/>
-              <a:t>2019-09-09</a:t>
+              <a:t>2020-03-03</a:t>
             </a:fld>
             <a:endParaRPr lang="ko-KR" altLang="en-US"/>
           </a:p>
@@ -3653,7 +3653,7 @@
           <a:p>
             <a:fld id="{2E7ECC9E-F49A-469F-B406-81AB28A32BC3}" type="datetimeFigureOut">
               <a:rPr lang="ko-KR" altLang="en-US" smtClean="0"/>
-              <a:t>2019-09-09</a:t>
+              <a:t>2020-03-03</a:t>
             </a:fld>
             <a:endParaRPr lang="ko-KR" altLang="en-US"/>
           </a:p>
@@ -3935,7 +3935,7 @@
           <a:p>
             <a:fld id="{2E7ECC9E-F49A-469F-B406-81AB28A32BC3}" type="datetimeFigureOut">
               <a:rPr lang="ko-KR" altLang="en-US" smtClean="0"/>
-              <a:t>2019-09-09</a:t>
+              <a:t>2020-03-03</a:t>
             </a:fld>
             <a:endParaRPr lang="ko-KR" altLang="en-US"/>
           </a:p>
@@ -6002,12 +6002,13 @@
               <a:rPr lang="en-US" altLang="ko-KR" dirty="0">
                 <a:hlinkClick r:id="rId3"/>
               </a:rPr>
-              <a:t>https://github.com/vxggangxv/incScssTemplate</a:t>
+              <a:t>https://github.com/gc-lodgment/boilerplate.git</a:t>
             </a:r>
             <a:r>
               <a:rPr lang="en-US" altLang="ko-KR" dirty="0"/>
               <a:t> </a:t>
             </a:r>
+            <a:endParaRPr lang="en-US" altLang="ko-KR" dirty="0" smtClean="0"/>
           </a:p>
           <a:p>
             <a:pPr marL="0" indent="0">
@@ -6023,7 +6024,13 @@
               <a:rPr lang="ko-KR" altLang="en-US" sz="1400" dirty="0" smtClean="0">
                 <a:latin typeface="+mn-ea"/>
               </a:rPr>
-              <a:t>클릭 후 다운로드</a:t>
+              <a:t>클릭 후 </a:t>
+            </a:r>
+            <a:r>
+              <a:rPr lang="ko-KR" altLang="en-US" sz="1400" dirty="0" smtClean="0">
+                <a:latin typeface="+mn-ea"/>
+              </a:rPr>
+              <a:t>다운로드</a:t>
             </a:r>
             <a:endParaRPr lang="en-US" altLang="ko-KR" sz="1400" dirty="0" smtClean="0">
               <a:latin typeface="+mn-ea"/>
@@ -6034,6 +6041,37 @@
               <a:buNone/>
             </a:pPr>
             <a:r>
+              <a:rPr lang="en-US" altLang="ko-KR" sz="1400" dirty="0" smtClean="0">
+                <a:latin typeface="+mn-ea"/>
+              </a:rPr>
+              <a:t>    - </a:t>
+            </a:r>
+            <a:r>
+              <a:rPr lang="ko-KR" altLang="en-US" sz="1400" dirty="0" smtClean="0">
+                <a:latin typeface="+mn-ea"/>
+              </a:rPr>
+              <a:t>설치 후 </a:t>
+            </a:r>
+            <a:endParaRPr lang="en-US" altLang="ko-KR" sz="1400" dirty="0" smtClean="0">
+              <a:latin typeface="+mn-ea"/>
+            </a:endParaRPr>
+          </a:p>
+          <a:p>
+            <a:pPr marL="0" indent="0">
+              <a:buNone/>
+            </a:pPr>
+            <a:r>
+              <a:rPr lang="en-US" altLang="ko-KR" sz="1400" dirty="0" smtClean="0">
+                <a:latin typeface="+mn-ea"/>
+              </a:rPr>
+              <a:t>    - cd boilerplate</a:t>
+            </a:r>
+          </a:p>
+          <a:p>
+            <a:pPr marL="0" indent="0">
+              <a:buNone/>
+            </a:pPr>
+            <a:r>
               <a:rPr lang="en-US" altLang="ko-KR" sz="1400" dirty="0">
                 <a:latin typeface="+mn-ea"/>
               </a:rPr>
@@ -6046,12 +6084,6 @@
               <a:t>   - </a:t>
             </a:r>
             <a:r>
-              <a:rPr lang="ko-KR" altLang="en-US" sz="1400" dirty="0" smtClean="0">
-                <a:latin typeface="+mn-ea"/>
-              </a:rPr>
-              <a:t>설치 후 </a:t>
-            </a:r>
-            <a:r>
               <a:rPr lang="en-US" altLang="ko-KR" sz="1400" dirty="0" err="1" smtClean="0">
                 <a:latin typeface="+mn-ea"/>
               </a:rPr>
@@ -6061,7 +6093,13 @@
               <a:rPr lang="en-US" altLang="ko-KR" sz="1400" dirty="0" smtClean="0">
                 <a:latin typeface="+mn-ea"/>
               </a:rPr>
-              <a:t> install </a:t>
+              <a:t> </a:t>
+            </a:r>
+            <a:r>
+              <a:rPr lang="en-US" altLang="ko-KR" sz="1400" dirty="0" smtClean="0">
+                <a:latin typeface="+mn-ea"/>
+              </a:rPr>
+              <a:t>install </a:t>
             </a:r>
           </a:p>
           <a:p>
